--- a/COMP270/02/2020-21-COMP270-02-lecture-materials-2.pptx
+++ b/COMP270/02/2020-21-COMP270-02-lecture-materials-2.pptx
@@ -225,7 +225,7 @@
           <a:p>
             <a:fld id="{8906F081-8781-4431-8FD4-2CF608CD7C47}" type="datetimeFigureOut">
               <a:rPr lang="en-US" smtClean="0"/>
-              <a:t>8/3/2020</a:t>
+              <a:t>8/28/2020</a:t>
             </a:fld>
             <a:endParaRPr lang="en-US"/>
           </a:p>
@@ -390,7 +390,7 @@
           <a:p>
             <a:fld id="{F06CA47C-B7FD-4BE9-B0E6-81BA758D95F2}" type="datetimeFigureOut">
               <a:rPr lang="en-US" smtClean="0"/>
-              <a:t>8/3/2020</a:t>
+              <a:t>8/28/2020</a:t>
             </a:fld>
             <a:endParaRPr lang="en-US"/>
           </a:p>
@@ -701,7 +701,10 @@
           <a:bodyPr/>
           <a:lstStyle/>
           <a:p>
-            <a:endParaRPr lang="en-US" dirty="0"/>
+            <a:r>
+              <a:rPr lang="en-US" dirty="0"/>
+              <a:t>This is the second part of COMP270 week 2 content, where we’ll be introducing vectors,</a:t>
+            </a:r>
           </a:p>
         </p:txBody>
       </p:sp>
@@ -785,7 +788,220 @@
           <a:bodyPr/>
           <a:lstStyle/>
           <a:p>
+            <a:r>
+              <a:rPr lang="en-GB" dirty="0"/>
+              <a:t>Including adding them together. If we think of a vector as a displacement from its start to its end, the sum of two vectors is the displacement from the start of the first to the end of the second, which we can visualise by putting them end to end.</a:t>
+            </a:r>
+          </a:p>
+          <a:p>
             <a:endParaRPr lang="en-GB" dirty="0"/>
+          </a:p>
+          <a:p>
+            <a:r>
+              <a:rPr lang="en-GB" dirty="0"/>
+              <a:t>The components of the resulting vector are just the summed components of the original vectors, and so</a:t>
+            </a:r>
+          </a:p>
+          <a:p>
+            <a:endParaRPr lang="en-GB" dirty="0"/>
+          </a:p>
+          <a:p>
+            <a:r>
+              <a:rPr lang="en-GB" dirty="0"/>
+              <a:t>it doesn’t matter which order we place them in, as addition is commutative.</a:t>
+            </a:r>
+          </a:p>
+        </p:txBody>
+      </p:sp>
+      <p:sp>
+        <p:nvSpPr>
+          <p:cNvPr id="4" name="Slide Number Placeholder 3"/>
+          <p:cNvSpPr>
+            <a:spLocks noGrp="1"/>
+          </p:cNvSpPr>
+          <p:nvPr>
+            <p:ph type="sldNum" sz="quarter" idx="5"/>
+          </p:nvPr>
+        </p:nvSpPr>
+        <p:spPr/>
+        <p:txBody>
+          <a:bodyPr/>
+          <a:lstStyle/>
+          <a:p>
+            <a:fld id="{923716F0-385D-4F6E-BE54-A09D410D24C2}" type="slidenum">
+              <a:rPr lang="en-US" smtClean="0"/>
+              <a:t>10</a:t>
+            </a:fld>
+            <a:endParaRPr lang="en-US"/>
+          </a:p>
+        </p:txBody>
+      </p:sp>
+    </p:spTree>
+    <p:extLst>
+      <p:ext uri="{BB962C8B-B14F-4D97-AF65-F5344CB8AC3E}">
+        <p14:creationId xmlns:p14="http://schemas.microsoft.com/office/powerpoint/2010/main" val="3388849051"/>
+      </p:ext>
+    </p:extLst>
+  </p:cSld>
+  <p:clrMapOvr>
+    <a:masterClrMapping/>
+  </p:clrMapOvr>
+</p:notes>
+</file>
+
+<file path=ppt/notesSlides/notesSlide11.xml><?xml version="1.0" encoding="utf-8"?>
+<p:notes xmlns:a="http://schemas.openxmlformats.org/drawingml/2006/main" xmlns:r="http://schemas.openxmlformats.org/officeDocument/2006/relationships" xmlns:p="http://schemas.openxmlformats.org/presentationml/2006/main">
+  <p:cSld>
+    <p:spTree>
+      <p:nvGrpSpPr>
+        <p:cNvPr id="1" name=""/>
+        <p:cNvGrpSpPr/>
+        <p:nvPr/>
+      </p:nvGrpSpPr>
+      <p:grpSpPr>
+        <a:xfrm>
+          <a:off x="0" y="0"/>
+          <a:ext cx="0" cy="0"/>
+          <a:chOff x="0" y="0"/>
+          <a:chExt cx="0" cy="0"/>
+        </a:xfrm>
+      </p:grpSpPr>
+      <p:sp>
+        <p:nvSpPr>
+          <p:cNvPr id="2" name="Slide Image Placeholder 1"/>
+          <p:cNvSpPr>
+            <a:spLocks noGrp="1" noRot="1" noChangeAspect="1"/>
+          </p:cNvSpPr>
+          <p:nvPr>
+            <p:ph type="sldImg"/>
+          </p:nvPr>
+        </p:nvSpPr>
+        <p:spPr/>
+      </p:sp>
+      <p:sp>
+        <p:nvSpPr>
+          <p:cNvPr id="3" name="Notes Placeholder 2"/>
+          <p:cNvSpPr>
+            <a:spLocks noGrp="1"/>
+          </p:cNvSpPr>
+          <p:nvPr>
+            <p:ph type="body" idx="1"/>
+          </p:nvPr>
+        </p:nvSpPr>
+        <p:spPr/>
+        <p:txBody>
+          <a:bodyPr/>
+          <a:lstStyle/>
+          <a:p>
+            <a:r>
+              <a:rPr lang="en-GB" dirty="0"/>
+              <a:t>We can also subtract vectors, which is conceptually like travelling along one vector and then ‘backwards’ along the other. We’ve met this operation before, when we took the differences between the coordinates of two points to get the vector between them;</a:t>
+            </a:r>
+          </a:p>
+          <a:p>
+            <a:endParaRPr lang="en-GB" dirty="0"/>
+          </a:p>
+          <a:p>
+            <a:r>
+              <a:rPr lang="en-GB" dirty="0"/>
+              <a:t>Obviously, the order this time does matter, as reversing it will negate the result.</a:t>
+            </a:r>
+          </a:p>
+        </p:txBody>
+      </p:sp>
+      <p:sp>
+        <p:nvSpPr>
+          <p:cNvPr id="4" name="Slide Number Placeholder 3"/>
+          <p:cNvSpPr>
+            <a:spLocks noGrp="1"/>
+          </p:cNvSpPr>
+          <p:nvPr>
+            <p:ph type="sldNum" sz="quarter" idx="5"/>
+          </p:nvPr>
+        </p:nvSpPr>
+        <p:spPr/>
+        <p:txBody>
+          <a:bodyPr/>
+          <a:lstStyle/>
+          <a:p>
+            <a:fld id="{923716F0-385D-4F6E-BE54-A09D410D24C2}" type="slidenum">
+              <a:rPr lang="en-US" smtClean="0"/>
+              <a:t>11</a:t>
+            </a:fld>
+            <a:endParaRPr lang="en-US"/>
+          </a:p>
+        </p:txBody>
+      </p:sp>
+    </p:spTree>
+    <p:extLst>
+      <p:ext uri="{BB962C8B-B14F-4D97-AF65-F5344CB8AC3E}">
+        <p14:creationId xmlns:p14="http://schemas.microsoft.com/office/powerpoint/2010/main" val="3842941124"/>
+      </p:ext>
+    </p:extLst>
+  </p:cSld>
+  <p:clrMapOvr>
+    <a:masterClrMapping/>
+  </p:clrMapOvr>
+</p:notes>
+</file>
+
+<file path=ppt/notesSlides/notesSlide12.xml><?xml version="1.0" encoding="utf-8"?>
+<p:notes xmlns:a="http://schemas.openxmlformats.org/drawingml/2006/main" xmlns:r="http://schemas.openxmlformats.org/officeDocument/2006/relationships" xmlns:p="http://schemas.openxmlformats.org/presentationml/2006/main">
+  <p:cSld>
+    <p:spTree>
+      <p:nvGrpSpPr>
+        <p:cNvPr id="1" name=""/>
+        <p:cNvGrpSpPr/>
+        <p:nvPr/>
+      </p:nvGrpSpPr>
+      <p:grpSpPr>
+        <a:xfrm>
+          <a:off x="0" y="0"/>
+          <a:ext cx="0" cy="0"/>
+          <a:chOff x="0" y="0"/>
+          <a:chExt cx="0" cy="0"/>
+        </a:xfrm>
+      </p:grpSpPr>
+      <p:sp>
+        <p:nvSpPr>
+          <p:cNvPr id="2" name="Slide Image Placeholder 1"/>
+          <p:cNvSpPr>
+            <a:spLocks noGrp="1" noRot="1" noChangeAspect="1"/>
+          </p:cNvSpPr>
+          <p:nvPr>
+            <p:ph type="sldImg"/>
+          </p:nvPr>
+        </p:nvSpPr>
+        <p:spPr/>
+      </p:sp>
+      <p:sp>
+        <p:nvSpPr>
+          <p:cNvPr id="3" name="Notes Placeholder 2"/>
+          <p:cNvSpPr>
+            <a:spLocks noGrp="1"/>
+          </p:cNvSpPr>
+          <p:nvPr>
+            <p:ph type="body" idx="1"/>
+          </p:nvPr>
+        </p:nvSpPr>
+        <p:spPr/>
+        <p:txBody>
+          <a:bodyPr/>
+          <a:lstStyle/>
+          <a:p>
+            <a:r>
+              <a:rPr lang="en-GB" dirty="0"/>
+              <a:t>Finally, we can multiply a vector by a scalar value, which for a positive number preserves the direction but scales the magnitude – you can verify this using the formulae on slide 7. If the number is negative, then the direction is flipped and the vectors are parallel but opposite.</a:t>
+            </a:r>
+          </a:p>
+          <a:p>
+            <a:endParaRPr lang="en-GB" dirty="0"/>
+          </a:p>
+          <a:p>
+            <a:r>
+              <a:rPr lang="en-GB" dirty="0"/>
+              <a:t>That’s all we need to know right now about vectors; we’re going to make use of these operations in the next video, where we’ll be looking at ways of describing lines and other objects.</a:t>
+            </a:r>
           </a:p>
         </p:txBody>
       </p:sp>
@@ -871,7 +1087,7 @@
           <a:p>
             <a:r>
               <a:rPr lang="en-GB" dirty="0"/>
-              <a:t>Often, we’re only interested in the section between the two points, which can be described by a vector:</a:t>
+              <a:t>Seeing what exactly they are and looking at some operations we can do with them.</a:t>
             </a:r>
           </a:p>
         </p:txBody>
@@ -893,7 +1109,7 @@
           <a:p>
             <a:fld id="{923716F0-385D-4F6E-BE54-A09D410D24C2}" type="slidenum">
               <a:rPr lang="en-US" smtClean="0"/>
-              <a:t>3</a:t>
+              <a:t>2</a:t>
             </a:fld>
             <a:endParaRPr lang="en-US"/>
           </a:p>
@@ -902,7 +1118,7 @@
     </p:spTree>
     <p:extLst>
       <p:ext uri="{BB962C8B-B14F-4D97-AF65-F5344CB8AC3E}">
-        <p14:creationId xmlns:p14="http://schemas.microsoft.com/office/powerpoint/2010/main" val="1965408018"/>
+        <p14:creationId xmlns:p14="http://schemas.microsoft.com/office/powerpoint/2010/main" val="2800435138"/>
       </p:ext>
     </p:extLst>
   </p:cSld>
@@ -958,7 +1174,16 @@
           <a:p>
             <a:r>
               <a:rPr lang="en-GB" dirty="0"/>
-              <a:t>This sounds a little like a point, and in fact</a:t>
+              <a:t>Last time, we looked at points, which specify a position in a given coordinate space,</a:t>
+            </a:r>
+          </a:p>
+          <a:p>
+            <a:endParaRPr lang="en-GB" dirty="0"/>
+          </a:p>
+          <a:p>
+            <a:r>
+              <a:rPr lang="en-GB" dirty="0"/>
+              <a:t>And lines, which can be defined by a pair of points. Strictly speaking, a mathematical line has infinite length and it doesn’t matter which order we consider the points in, but often, we’re only interested in the section between the two points, which can be described by a vector:</a:t>
             </a:r>
           </a:p>
         </p:txBody>
@@ -980,7 +1205,7 @@
           <a:p>
             <a:fld id="{923716F0-385D-4F6E-BE54-A09D410D24C2}" type="slidenum">
               <a:rPr lang="en-US" smtClean="0"/>
-              <a:t>4</a:t>
+              <a:t>3</a:t>
             </a:fld>
             <a:endParaRPr lang="en-US"/>
           </a:p>
@@ -989,7 +1214,7 @@
     </p:spTree>
     <p:extLst>
       <p:ext uri="{BB962C8B-B14F-4D97-AF65-F5344CB8AC3E}">
-        <p14:creationId xmlns:p14="http://schemas.microsoft.com/office/powerpoint/2010/main" val="1319361381"/>
+        <p14:creationId xmlns:p14="http://schemas.microsoft.com/office/powerpoint/2010/main" val="1965408018"/>
       </p:ext>
     </p:extLst>
   </p:cSld>
@@ -1045,7 +1270,25 @@
           <a:p>
             <a:r>
               <a:rPr lang="en-GB" dirty="0"/>
-              <a:t>Since they both are essentially pairs of values, some maths libraries use the same object to represent both, but there are situations where it’s important to remember the distinction between them (which we’ll look at later in the course), so it’s good to be clear from the start which you’re dealing with. We’ll be treating them separately in this module, including in the code for the assignments.</a:t>
+              <a:t>Which is defined as a directed line segment between two points.</a:t>
+            </a:r>
+          </a:p>
+          <a:p>
+            <a:endParaRPr lang="en-GB" dirty="0"/>
+          </a:p>
+          <a:p>
+            <a:r>
+              <a:rPr lang="en-GB" dirty="0"/>
+              <a:t>Clearly, it has a length, and the direction is also important: whether it points from A to B, or B to A, which is why we draw vectors as arrows.</a:t>
+            </a:r>
+          </a:p>
+          <a:p>
+            <a:endParaRPr lang="en-GB" dirty="0"/>
+          </a:p>
+          <a:p>
+            <a:r>
+              <a:rPr lang="en-GB" dirty="0"/>
+              <a:t>It’s represented by two numbers, the x and y components, which are the differences in the coordinate values between the two points. Given that they’re both defined by a pair of values, vectors look a lot like points, and in fact </a:t>
             </a:r>
           </a:p>
         </p:txBody>
@@ -1067,7 +1310,7 @@
           <a:p>
             <a:fld id="{923716F0-385D-4F6E-BE54-A09D410D24C2}" type="slidenum">
               <a:rPr lang="en-US" smtClean="0"/>
-              <a:t>5</a:t>
+              <a:t>4</a:t>
             </a:fld>
             <a:endParaRPr lang="en-US"/>
           </a:p>
@@ -1076,7 +1319,7 @@
     </p:spTree>
     <p:extLst>
       <p:ext uri="{BB962C8B-B14F-4D97-AF65-F5344CB8AC3E}">
-        <p14:creationId xmlns:p14="http://schemas.microsoft.com/office/powerpoint/2010/main" val="399824469"/>
+        <p14:creationId xmlns:p14="http://schemas.microsoft.com/office/powerpoint/2010/main" val="1319361381"/>
       </p:ext>
     </p:extLst>
   </p:cSld>
@@ -1130,7 +1373,28 @@
           <a:bodyPr/>
           <a:lstStyle/>
           <a:p>
+            <a:r>
+              <a:rPr lang="en-GB" dirty="0"/>
+              <a:t>A vector can be used to express the displacement of a point from the origin, in which case the components of the vector are equal to the coordinates of the point – </a:t>
+            </a:r>
+          </a:p>
+          <a:p>
             <a:endParaRPr lang="en-GB" dirty="0"/>
+          </a:p>
+          <a:p>
+            <a:r>
+              <a:rPr lang="en-GB" dirty="0"/>
+              <a:t>Although they are not the same thing,</a:t>
+            </a:r>
+          </a:p>
+          <a:p>
+            <a:endParaRPr lang="en-GB" dirty="0"/>
+          </a:p>
+          <a:p>
+            <a:r>
+              <a:rPr lang="en-GB" dirty="0"/>
+              <a:t>Since they do share some similarities, some maths libraries use the same object to represent both, but there are situations where it’s important to remember the distinction between them (which we’ll look at later in the course).</a:t>
+            </a:r>
           </a:p>
         </p:txBody>
       </p:sp>
@@ -1151,7 +1415,7 @@
           <a:p>
             <a:fld id="{923716F0-385D-4F6E-BE54-A09D410D24C2}" type="slidenum">
               <a:rPr lang="en-US" smtClean="0"/>
-              <a:t>6</a:t>
+              <a:t>5</a:t>
             </a:fld>
             <a:endParaRPr lang="en-US"/>
           </a:p>
@@ -1160,7 +1424,7 @@
     </p:spTree>
     <p:extLst>
       <p:ext uri="{BB962C8B-B14F-4D97-AF65-F5344CB8AC3E}">
-        <p14:creationId xmlns:p14="http://schemas.microsoft.com/office/powerpoint/2010/main" val="1194353670"/>
+        <p14:creationId xmlns:p14="http://schemas.microsoft.com/office/powerpoint/2010/main" val="399824469"/>
       </p:ext>
     </p:extLst>
   </p:cSld>
@@ -1214,7 +1478,46 @@
           <a:bodyPr/>
           <a:lstStyle/>
           <a:p>
+            <a:r>
+              <a:rPr lang="en-GB" dirty="0"/>
+              <a:t>When it comes to notation, there are different ways of indicating that something is a vector. The coordinates can be written as a pair of numbers,</a:t>
+            </a:r>
+          </a:p>
+          <a:p>
             <a:endParaRPr lang="en-GB" dirty="0"/>
+          </a:p>
+          <a:p>
+            <a:r>
+              <a:rPr lang="en-GB" dirty="0"/>
+              <a:t>Though this looks a lot like a point, so I tend to avoid using it.</a:t>
+            </a:r>
+          </a:p>
+          <a:p>
+            <a:endParaRPr lang="en-GB" dirty="0"/>
+          </a:p>
+          <a:p>
+            <a:r>
+              <a:rPr lang="en-GB" dirty="0"/>
+              <a:t>You can also write the values as a row vector (with either round or square brackets – I think the 3d math primer uses square ones), or as a column vector, which I find the clearest and so will be using for this module.</a:t>
+            </a:r>
+          </a:p>
+          <a:p>
+            <a:endParaRPr lang="en-GB" dirty="0"/>
+          </a:p>
+          <a:p>
+            <a:r>
+              <a:rPr lang="en-GB" dirty="0"/>
+              <a:t>If we want to give a vector a variable name, this is generally indicated by using a lower case letter in bold font. Since it’s hard to use bold in handwriting, an alternative is to use an underline, or sometimes you’ll see an arrow above the letter.</a:t>
+            </a:r>
+          </a:p>
+          <a:p>
+            <a:endParaRPr lang="en-GB" dirty="0"/>
+          </a:p>
+          <a:p>
+            <a:r>
+              <a:rPr lang="en-GB" dirty="0"/>
+              <a:t>You might also see a vector written as two capital letters with an arrow above, in which case the letters refer to the start and end points of the vector, written in the order that indicates the direction of the vector. Note that if we reverse the direction, we’ll be negating the components.</a:t>
+            </a:r>
           </a:p>
         </p:txBody>
       </p:sp>
@@ -1235,7 +1538,7 @@
           <a:p>
             <a:fld id="{923716F0-385D-4F6E-BE54-A09D410D24C2}" type="slidenum">
               <a:rPr lang="en-US" smtClean="0"/>
-              <a:t>7</a:t>
+              <a:t>6</a:t>
             </a:fld>
             <a:endParaRPr lang="en-US"/>
           </a:p>
@@ -1244,7 +1547,7 @@
     </p:spTree>
     <p:extLst>
       <p:ext uri="{BB962C8B-B14F-4D97-AF65-F5344CB8AC3E}">
-        <p14:creationId xmlns:p14="http://schemas.microsoft.com/office/powerpoint/2010/main" val="722925702"/>
+        <p14:creationId xmlns:p14="http://schemas.microsoft.com/office/powerpoint/2010/main" val="1194353670"/>
       </p:ext>
     </p:extLst>
   </p:cSld>
@@ -1300,7 +1603,25 @@
           <a:p>
             <a:r>
               <a:rPr lang="en-GB" dirty="0"/>
-              <a:t>Some things that don’t really matter if we’re just looking at ratios of side lengths and angles in triangles, but can give a wrong result when we’re considering vectors.</a:t>
+              <a:t>If the defining characteristics of a vector are its length and direction, how do we compute these?</a:t>
+            </a:r>
+          </a:p>
+          <a:p>
+            <a:endParaRPr lang="en-GB" dirty="0"/>
+          </a:p>
+          <a:p>
+            <a:r>
+              <a:rPr lang="en-GB" dirty="0"/>
+              <a:t>If you remember, in the last video, we looked at the section of a line between two points as being the hypotenuse, with the other sides given by the horizontal and vertical distances between the points – which are the components of our vector, meaning that the length, or magnitude, of a vector is given by the square root of the sum of the components.</a:t>
+            </a:r>
+          </a:p>
+          <a:p>
+            <a:endParaRPr lang="en-GB" dirty="0"/>
+          </a:p>
+          <a:p>
+            <a:r>
+              <a:rPr lang="en-GB" dirty="0"/>
+              <a:t>Similarly, the angle with the x-axis is given by the inverse tangent of y over x</a:t>
             </a:r>
           </a:p>
         </p:txBody>
@@ -1322,7 +1643,7 @@
           <a:p>
             <a:fld id="{923716F0-385D-4F6E-BE54-A09D410D24C2}" type="slidenum">
               <a:rPr lang="en-US" smtClean="0"/>
-              <a:t>8</a:t>
+              <a:t>7</a:t>
             </a:fld>
             <a:endParaRPr lang="en-US"/>
           </a:p>
@@ -1331,7 +1652,7 @@
     </p:spTree>
     <p:extLst>
       <p:ext uri="{BB962C8B-B14F-4D97-AF65-F5344CB8AC3E}">
-        <p14:creationId xmlns:p14="http://schemas.microsoft.com/office/powerpoint/2010/main" val="885409797"/>
+        <p14:creationId xmlns:p14="http://schemas.microsoft.com/office/powerpoint/2010/main" val="722925702"/>
       </p:ext>
     </p:extLst>
   </p:cSld>
@@ -1385,7 +1706,37 @@
           <a:bodyPr/>
           <a:lstStyle/>
           <a:p>
+            <a:r>
+              <a:rPr lang="en-GB" dirty="0"/>
+              <a:t>There are some things to be aware of when using the inverse tangent that don’t really matter if we’re just looking at angles in triangles or lines without direction, but can give a wrong result when we’re considering vectors.</a:t>
+            </a:r>
+          </a:p>
+          <a:p>
             <a:endParaRPr lang="en-GB" dirty="0"/>
+          </a:p>
+          <a:p>
+            <a:r>
+              <a:rPr lang="en-GB" dirty="0"/>
+              <a:t>First of all, as we saw before, dividing two negative numbers cancels the minus signs, so we need to keep track of which way the vector is pointing to make sure we get the correct angle with the positive x axis.</a:t>
+            </a:r>
+          </a:p>
+          <a:p>
+            <a:endParaRPr lang="en-GB" dirty="0"/>
+          </a:p>
+          <a:p>
+            <a:r>
+              <a:rPr lang="en-GB" dirty="0"/>
+              <a:t>Secondly,  if the x component is zero, then we’re in trouble, which we can see reflected in the graph, which has asymptotes for any angles that would be perpendicular to the x-axis. Helpfully,</a:t>
+            </a:r>
+          </a:p>
+          <a:p>
+            <a:endParaRPr lang="en-GB" dirty="0"/>
+          </a:p>
+          <a:p>
+            <a:r>
+              <a:rPr lang="en-GB" dirty="0"/>
+              <a:t>Most programming languages provide an atan2 function that checks these things for us, so you should always use that one if it’s available, taking care to get the arguments in the right order (y first).</a:t>
+            </a:r>
           </a:p>
         </p:txBody>
       </p:sp>
@@ -1406,7 +1757,7 @@
           <a:p>
             <a:fld id="{923716F0-385D-4F6E-BE54-A09D410D24C2}" type="slidenum">
               <a:rPr lang="en-US" smtClean="0"/>
-              <a:t>9</a:t>
+              <a:t>8</a:t>
             </a:fld>
             <a:endParaRPr lang="en-US"/>
           </a:p>
@@ -1415,7 +1766,7 @@
     </p:spTree>
     <p:extLst>
       <p:ext uri="{BB962C8B-B14F-4D97-AF65-F5344CB8AC3E}">
-        <p14:creationId xmlns:p14="http://schemas.microsoft.com/office/powerpoint/2010/main" val="4070377926"/>
+        <p14:creationId xmlns:p14="http://schemas.microsoft.com/office/powerpoint/2010/main" val="885409797"/>
       </p:ext>
     </p:extLst>
   </p:cSld>
@@ -1469,7 +1820,37 @@
           <a:bodyPr/>
           <a:lstStyle/>
           <a:p>
+            <a:r>
+              <a:rPr lang="en-GB" dirty="0"/>
+              <a:t>So vectors can have the same length but different directions, even along the same line, in which case they are not equivalent. If two vectors have the same magnitude and direction, though,</a:t>
+            </a:r>
+          </a:p>
+          <a:p>
             <a:endParaRPr lang="en-GB" dirty="0"/>
+          </a:p>
+          <a:p>
+            <a:r>
+              <a:rPr lang="en-GB" dirty="0"/>
+              <a:t>Then they are considered to be the same, regardless of where they are in space: they are position-invariant, for example the vector 2, 1 might start at the origin and go to the point 2, 1, or it could start somewhere else: it’s still the same vector. Although we introduced a vector as being defined between two points,</a:t>
+            </a:r>
+          </a:p>
+          <a:p>
+            <a:endParaRPr lang="en-GB" dirty="0"/>
+          </a:p>
+          <a:p>
+            <a:r>
+              <a:rPr lang="en-GB" dirty="0"/>
+              <a:t>They’re often used to represent more abstract quantities, such as the wind, </a:t>
+            </a:r>
+          </a:p>
+          <a:p>
+            <a:endParaRPr lang="en-GB" dirty="0"/>
+          </a:p>
+          <a:p>
+            <a:r>
+              <a:rPr lang="en-GB" dirty="0"/>
+              <a:t>Or forces, in physics. We can combine vectors in different ways,</a:t>
+            </a:r>
           </a:p>
         </p:txBody>
       </p:sp>
@@ -1490,7 +1871,7 @@
           <a:p>
             <a:fld id="{923716F0-385D-4F6E-BE54-A09D410D24C2}" type="slidenum">
               <a:rPr lang="en-US" smtClean="0"/>
-              <a:t>11</a:t>
+              <a:t>9</a:t>
             </a:fld>
             <a:endParaRPr lang="en-US"/>
           </a:p>
@@ -1499,7 +1880,7 @@
     </p:spTree>
     <p:extLst>
       <p:ext uri="{BB962C8B-B14F-4D97-AF65-F5344CB8AC3E}">
-        <p14:creationId xmlns:p14="http://schemas.microsoft.com/office/powerpoint/2010/main" val="3842941124"/>
+        <p14:creationId xmlns:p14="http://schemas.microsoft.com/office/powerpoint/2010/main" val="4070377926"/>
       </p:ext>
     </p:extLst>
   </p:cSld>
@@ -1669,7 +2050,7 @@
           <a:p>
             <a:fld id="{33024136-D290-48F3-A182-4C46BEB5146B}" type="datetime1">
               <a:rPr lang="en-US" smtClean="0"/>
-              <a:t>8/3/2020</a:t>
+              <a:t>8/28/2020</a:t>
             </a:fld>
             <a:endParaRPr lang="en-US" dirty="0"/>
           </a:p>
@@ -1853,7 +2234,7 @@
           <a:p>
             <a:fld id="{9CC7D44C-38B1-4D0F-9006-D5774F331095}" type="datetime1">
               <a:rPr lang="en-US" smtClean="0"/>
-              <a:t>8/3/2020</a:t>
+              <a:t>8/28/2020</a:t>
             </a:fld>
             <a:endParaRPr lang="en-US"/>
           </a:p>
@@ -2047,7 +2428,7 @@
           <a:p>
             <a:fld id="{F98D518A-FD4F-4358-B95B-9DB5A17160FB}" type="datetime1">
               <a:rPr lang="en-US" smtClean="0"/>
-              <a:t>8/3/2020</a:t>
+              <a:t>8/28/2020</a:t>
             </a:fld>
             <a:endParaRPr lang="en-US"/>
           </a:p>
@@ -2240,7 +2621,7 @@
           <a:p>
             <a:fld id="{5E2A9F4F-03AD-4497-A65D-076601BD41D2}" type="datetime1">
               <a:rPr lang="en-US" smtClean="0"/>
-              <a:t>8/3/2020</a:t>
+              <a:t>8/28/2020</a:t>
             </a:fld>
             <a:endParaRPr lang="en-US"/>
           </a:p>
@@ -2463,7 +2844,7 @@
           <a:p>
             <a:fld id="{EDFBF3AC-A781-43AA-8BD5-B12F49168B94}" type="datetime1">
               <a:rPr lang="en-US" smtClean="0"/>
-              <a:t>8/3/2020</a:t>
+              <a:t>8/28/2020</a:t>
             </a:fld>
             <a:endParaRPr lang="en-US"/>
           </a:p>
@@ -2748,7 +3129,7 @@
           <a:p>
             <a:fld id="{C5256A41-C91B-43FF-9881-F5DA9878418F}" type="datetime1">
               <a:rPr lang="en-US" smtClean="0"/>
-              <a:t>8/3/2020</a:t>
+              <a:t>8/28/2020</a:t>
             </a:fld>
             <a:endParaRPr lang="en-US"/>
           </a:p>
@@ -3151,7 +3532,7 @@
           <a:p>
             <a:fld id="{FFD7AA76-41EE-4C13-950E-E611B8B8FC52}" type="datetime1">
               <a:rPr lang="en-US" smtClean="0"/>
-              <a:t>8/3/2020</a:t>
+              <a:t>8/28/2020</a:t>
             </a:fld>
             <a:endParaRPr lang="en-US"/>
           </a:p>
@@ -3298,7 +3679,7 @@
           <a:p>
             <a:fld id="{89407A26-E7BC-4498-97E4-87AF12377CA9}" type="datetime1">
               <a:rPr lang="en-US" smtClean="0"/>
-              <a:t>8/3/2020</a:t>
+              <a:t>8/28/2020</a:t>
             </a:fld>
             <a:endParaRPr lang="en-US"/>
           </a:p>
@@ -3413,7 +3794,7 @@
           <a:p>
             <a:fld id="{93EA4171-1117-4486-993C-35A7470D8847}" type="datetime1">
               <a:rPr lang="en-US" smtClean="0"/>
-              <a:t>8/3/2020</a:t>
+              <a:t>8/28/2020</a:t>
             </a:fld>
             <a:endParaRPr lang="en-US"/>
           </a:p>
@@ -3685,7 +4066,7 @@
           <a:p>
             <a:fld id="{472A4CB8-1563-4663-81DB-74EB416C19BE}" type="datetime1">
               <a:rPr lang="en-US" smtClean="0"/>
-              <a:t>8/3/2020</a:t>
+              <a:t>8/28/2020</a:t>
             </a:fld>
             <a:endParaRPr lang="en-US"/>
           </a:p>
@@ -4021,7 +4402,7 @@
           <a:p>
             <a:fld id="{0C6724CE-2468-448B-87C1-A92EDD78369B}" type="datetime1">
               <a:rPr lang="en-US" smtClean="0"/>
-              <a:t>8/3/2020</a:t>
+              <a:t>8/28/2020</a:t>
             </a:fld>
             <a:endParaRPr lang="en-US"/>
           </a:p>
@@ -4282,7 +4663,7 @@
           <a:p>
             <a:fld id="{4CD11720-76E7-46E6-B0AA-057287C42052}" type="datetime1">
               <a:rPr lang="en-US" smtClean="0"/>
-              <a:t>8/3/2020</a:t>
+              <a:t>8/28/2020</a:t>
             </a:fld>
             <a:endParaRPr lang="en-US" dirty="0"/>
           </a:p>
@@ -5279,7 +5660,7 @@
                 </a:r>
                 <a:r>
                   <a:rPr lang="en-GB" b="1" dirty="0">
-                    <a:hlinkClick r:id="rId2"/>
+                    <a:hlinkClick r:id="rId3"/>
                   </a:rPr>
                   <a:t>commutative</a:t>
                 </a:r>
@@ -5369,7 +5750,7 @@
                 <a:ext cx="8604650" cy="4572000"/>
               </a:xfrm>
               <a:blipFill>
-                <a:blip r:embed="rId3"/>
+                <a:blip r:embed="rId4"/>
                 <a:stretch>
                   <a:fillRect l="-1629" t="-1733" r="-1346"/>
                 </a:stretch>
@@ -5573,7 +5954,7 @@
                   <a:avLst/>
                 </a:prstGeom>
                 <a:blipFill>
-                  <a:blip r:embed="rId4"/>
+                  <a:blip r:embed="rId5"/>
                   <a:stretch>
                     <a:fillRect l="-8000" r="-30000" b="-14667"/>
                   </a:stretch>
@@ -5751,7 +6132,7 @@
                   <a:avLst/>
                 </a:prstGeom>
                 <a:blipFill>
-                  <a:blip r:embed="rId5"/>
+                  <a:blip r:embed="rId6"/>
                   <a:stretch>
                     <a:fillRect l="-8000" r="-26000" b="-14667"/>
                   </a:stretch>
@@ -5974,7 +6355,7 @@
                   <a:avLst/>
                 </a:prstGeom>
                 <a:blipFill>
-                  <a:blip r:embed="rId6"/>
+                  <a:blip r:embed="rId7"/>
                   <a:stretch>
                     <a:fillRect l="-8000" r="-30000" b="-14474"/>
                   </a:stretch>
@@ -6082,7 +6463,7 @@
                   <a:avLst/>
                 </a:prstGeom>
                 <a:blipFill>
-                  <a:blip r:embed="rId7"/>
+                  <a:blip r:embed="rId8"/>
                   <a:stretch>
                     <a:fillRect l="-8000" r="-26000" b="-13158"/>
                   </a:stretch>
@@ -6284,7 +6665,7 @@
                   <a:avLst/>
                 </a:prstGeom>
                 <a:blipFill>
-                  <a:blip r:embed="rId8"/>
+                  <a:blip r:embed="rId9"/>
                   <a:stretch>
                     <a:fillRect b="-14667"/>
                   </a:stretch>
@@ -14404,8 +14785,8 @@
           <a:chExt cx="0" cy="0"/>
         </a:xfrm>
       </p:grpSpPr>
-      <mc:AlternateContent xmlns:mc="http://schemas.openxmlformats.org/markup-compatibility/2006" xmlns:a14="http://schemas.microsoft.com/office/drawing/2010/main">
-        <mc:Choice Requires="a14">
+      <mc:AlternateContent xmlns:mc="http://schemas.openxmlformats.org/markup-compatibility/2006">
+        <mc:Choice xmlns:a14="http://schemas.microsoft.com/office/drawing/2010/main" Requires="a14">
           <p:sp>
             <p:nvSpPr>
               <p:cNvPr id="5" name="Content Placeholder 4">
@@ -14472,7 +14853,66 @@
                 <a:pPr marL="457200" indent="-457200"/>
                 <a:r>
                   <a:rPr lang="en-GB" dirty="0"/>
-                  <a:t>As a column vector: </a:t>
+                  <a:t>As a row or column vector: </a:t>
+                </a:r>
+                <a14:m>
+                  <m:oMath xmlns:m="http://schemas.openxmlformats.org/officeDocument/2006/math">
+                    <m:d>
+                      <m:dPr>
+                        <m:begChr m:val="["/>
+                        <m:endChr m:val="]"/>
+                        <m:ctrlPr>
+                          <a:rPr lang="en-GB" i="1" smtClean="0">
+                            <a:latin typeface="Cambria Math" panose="02040503050406030204" pitchFamily="18" charset="0"/>
+                          </a:rPr>
+                        </m:ctrlPr>
+                      </m:dPr>
+                      <m:e>
+                        <m:m>
+                          <m:mPr>
+                            <m:mcs>
+                              <m:mc>
+                                <m:mcPr>
+                                  <m:count m:val="2"/>
+                                  <m:mcJc m:val="center"/>
+                                </m:mcPr>
+                              </m:mc>
+                            </m:mcs>
+                            <m:ctrlPr>
+                              <a:rPr lang="en-GB" i="1" smtClean="0">
+                                <a:latin typeface="Cambria Math" panose="02040503050406030204" pitchFamily="18" charset="0"/>
+                              </a:rPr>
+                            </m:ctrlPr>
+                          </m:mPr>
+                          <m:mr>
+                            <m:e>
+                              <m:r>
+                                <m:rPr>
+                                  <m:brk m:alnAt="7"/>
+                                </m:rPr>
+                                <a:rPr lang="en-GB" b="0" i="1" smtClean="0">
+                                  <a:latin typeface="Cambria Math" panose="02040503050406030204" pitchFamily="18" charset="0"/>
+                                </a:rPr>
+                                <m:t>𝑥</m:t>
+                              </m:r>
+                            </m:e>
+                            <m:e>
+                              <m:r>
+                                <a:rPr lang="en-GB" b="0" i="1" smtClean="0">
+                                  <a:latin typeface="Cambria Math" panose="02040503050406030204" pitchFamily="18" charset="0"/>
+                                </a:rPr>
+                                <m:t>𝑦</m:t>
+                              </m:r>
+                            </m:e>
+                          </m:mr>
+                        </m:m>
+                      </m:e>
+                    </m:d>
+                  </m:oMath>
+                </a14:m>
+                <a:r>
+                  <a:rPr lang="en-GB" dirty="0"/>
+                  <a:t>, </a:t>
                 </a:r>
                 <a14:m>
                   <m:oMath xmlns:m="http://schemas.openxmlformats.org/officeDocument/2006/math">
@@ -14829,7 +15269,7 @@
             </p:txBody>
           </p:sp>
         </mc:Choice>
-        <mc:Fallback xmlns="">
+        <mc:Fallback>
           <p:sp>
             <p:nvSpPr>
               <p:cNvPr id="5" name="Content Placeholder 4">
@@ -18265,6 +18705,41 @@
                                   </p:childTnLst>
                                 </p:cTn>
                               </p:par>
+                              <p:par>
+                                <p:cTn id="11" presetID="10" presetClass="entr" presetSubtype="0" fill="hold" nodeType="withEffect">
+                                  <p:stCondLst>
+                                    <p:cond delay="0"/>
+                                  </p:stCondLst>
+                                  <p:childTnLst>
+                                    <p:set>
+                                      <p:cBhvr>
+                                        <p:cTn id="12" dur="1" fill="hold">
+                                          <p:stCondLst>
+                                            <p:cond delay="0"/>
+                                          </p:stCondLst>
+                                        </p:cTn>
+                                        <p:tgtEl>
+                                          <p:spTgt spid="22"/>
+                                        </p:tgtEl>
+                                        <p:attrNameLst>
+                                          <p:attrName>style.visibility</p:attrName>
+                                        </p:attrNameLst>
+                                      </p:cBhvr>
+                                      <p:to>
+                                        <p:strVal val="visible"/>
+                                      </p:to>
+                                    </p:set>
+                                    <p:animEffect transition="in" filter="fade">
+                                      <p:cBhvr>
+                                        <p:cTn id="13" dur="500"/>
+                                        <p:tgtEl>
+                                          <p:spTgt spid="22"/>
+                                        </p:tgtEl>
+                                      </p:cBhvr>
+                                    </p:animEffect>
+                                  </p:childTnLst>
+                                </p:cTn>
+                              </p:par>
                             </p:childTnLst>
                           </p:cTn>
                         </p:par>
@@ -18272,26 +18747,26 @@
                     </p:cTn>
                   </p:par>
                   <p:par>
-                    <p:cTn id="11" fill="hold">
+                    <p:cTn id="14" fill="hold">
                       <p:stCondLst>
                         <p:cond delay="indefinite"/>
                       </p:stCondLst>
                       <p:childTnLst>
                         <p:par>
-                          <p:cTn id="12" fill="hold">
+                          <p:cTn id="15" fill="hold">
                             <p:stCondLst>
                               <p:cond delay="0"/>
                             </p:stCondLst>
                             <p:childTnLst>
                               <p:par>
-                                <p:cTn id="13" presetID="10" presetClass="entr" presetSubtype="0" fill="hold" grpId="0" nodeType="clickEffect">
+                                <p:cTn id="16" presetID="10" presetClass="entr" presetSubtype="0" fill="hold" grpId="0" nodeType="clickEffect">
                                   <p:stCondLst>
                                     <p:cond delay="0"/>
                                   </p:stCondLst>
                                   <p:childTnLst>
                                     <p:set>
                                       <p:cBhvr>
-                                        <p:cTn id="14" dur="1" fill="hold">
+                                        <p:cTn id="17" dur="1" fill="hold">
                                           <p:stCondLst>
                                             <p:cond delay="0"/>
                                           </p:stCondLst>
@@ -18313,7 +18788,7 @@
                                     </p:set>
                                     <p:animEffect transition="in" filter="fade">
                                       <p:cBhvr>
-                                        <p:cTn id="15" dur="500"/>
+                                        <p:cTn id="18" dur="500"/>
                                         <p:tgtEl>
                                           <p:spTgt spid="3">
                                             <p:txEl>
@@ -18333,26 +18808,26 @@
                     </p:cTn>
                   </p:par>
                   <p:par>
-                    <p:cTn id="16" fill="hold">
+                    <p:cTn id="19" fill="hold">
                       <p:stCondLst>
                         <p:cond delay="indefinite"/>
                       </p:stCondLst>
                       <p:childTnLst>
                         <p:par>
-                          <p:cTn id="17" fill="hold">
+                          <p:cTn id="20" fill="hold">
                             <p:stCondLst>
                               <p:cond delay="0"/>
                             </p:stCondLst>
                             <p:childTnLst>
                               <p:par>
-                                <p:cTn id="18" presetID="10" presetClass="entr" presetSubtype="0" fill="hold" grpId="0" nodeType="clickEffect">
+                                <p:cTn id="21" presetID="10" presetClass="entr" presetSubtype="0" fill="hold" grpId="0" nodeType="clickEffect">
                                   <p:stCondLst>
                                     <p:cond delay="0"/>
                                   </p:stCondLst>
                                   <p:childTnLst>
                                     <p:set>
                                       <p:cBhvr>
-                                        <p:cTn id="19" dur="1" fill="hold">
+                                        <p:cTn id="22" dur="1" fill="hold">
                                           <p:stCondLst>
                                             <p:cond delay="0"/>
                                           </p:stCondLst>
@@ -18374,48 +18849,13 @@
                                     </p:set>
                                     <p:animEffect transition="in" filter="fade">
                                       <p:cBhvr>
-                                        <p:cTn id="20" dur="500"/>
+                                        <p:cTn id="23" dur="500"/>
                                         <p:tgtEl>
                                           <p:spTgt spid="3">
                                             <p:txEl>
                                               <p:pRg st="3" end="3"/>
                                             </p:txEl>
                                           </p:spTgt>
-                                        </p:tgtEl>
-                                      </p:cBhvr>
-                                    </p:animEffect>
-                                  </p:childTnLst>
-                                </p:cTn>
-                              </p:par>
-                              <p:par>
-                                <p:cTn id="21" presetID="10" presetClass="entr" presetSubtype="0" fill="hold" nodeType="withEffect">
-                                  <p:stCondLst>
-                                    <p:cond delay="0"/>
-                                  </p:stCondLst>
-                                  <p:childTnLst>
-                                    <p:set>
-                                      <p:cBhvr>
-                                        <p:cTn id="22" dur="1" fill="hold">
-                                          <p:stCondLst>
-                                            <p:cond delay="0"/>
-                                          </p:stCondLst>
-                                        </p:cTn>
-                                        <p:tgtEl>
-                                          <p:spTgt spid="22"/>
-                                        </p:tgtEl>
-                                        <p:attrNameLst>
-                                          <p:attrName>style.visibility</p:attrName>
-                                        </p:attrNameLst>
-                                      </p:cBhvr>
-                                      <p:to>
-                                        <p:strVal val="visible"/>
-                                      </p:to>
-                                    </p:set>
-                                    <p:animEffect transition="in" filter="fade">
-                                      <p:cBhvr>
-                                        <p:cTn id="23" dur="500"/>
-                                        <p:tgtEl>
-                                          <p:spTgt spid="22"/>
                                         </p:tgtEl>
                                       </p:cBhvr>
                                     </p:animEffect>
